--- a/Presentation1.pptx
+++ b/Presentation1.pptx
@@ -3184,8 +3184,12 @@
           </a:p>
           <a:p>
             <a:r>
+              <a:rPr lang="en-US" smtClean="0"/>
+              <a:t>Universe’s evolution </a:t>
+            </a:r>
+            <a:r>
               <a:rPr lang="en-US" dirty="0" smtClean="0"/>
-              <a:t>Universe and it’s evolution is governed by 4 rules:</a:t>
+              <a:t>is governed by 4 rules:</a:t>
             </a:r>
           </a:p>
           <a:p>
